--- a/G11/Class_01/Presentation/NodeJSBasic-01.pptx
+++ b/G11/Class_01/Presentation/NodeJSBasic-01.pptx
@@ -32,32 +32,32 @@
   <p:notesSz cx="6858000" cy="9144000"/>
   <p:embeddedFontLst>
     <p:embeddedFont>
-      <p:font typeface="Calibri" panose="020F0502020204030204" pitchFamily="34" charset="0"/>
-      <p:regular r:id="rId22"/>
-      <p:bold r:id="rId23"/>
-      <p:italic r:id="rId24"/>
-      <p:boldItalic r:id="rId25"/>
+      <p:font typeface="Arial Black" panose="020B0A04020102020204" pitchFamily="34" charset="0"/>
+      <p:bold r:id="rId22"/>
     </p:embeddedFont>
     <p:embeddedFont>
-      <p:font typeface="Roboto" panose="020B0604020202020204" charset="0"/>
-      <p:regular r:id="rId26"/>
-      <p:bold r:id="rId27"/>
-      <p:italic r:id="rId28"/>
-      <p:boldItalic r:id="rId29"/>
+      <p:font typeface="Calibri" panose="020F0502020204030204" pitchFamily="34" charset="0"/>
+      <p:regular r:id="rId23"/>
+      <p:bold r:id="rId24"/>
+      <p:italic r:id="rId25"/>
+      <p:boldItalic r:id="rId26"/>
     </p:embeddedFont>
     <p:embeddedFont>
-      <p:font typeface="Arial Black" panose="020B0A04020102020204" pitchFamily="34" charset="0"/>
-      <p:bold r:id="rId30"/>
+      <p:font typeface="Montserrat" panose="00000500000000000000" pitchFamily="2" charset="0"/>
+      <p:regular r:id="rId27"/>
+      <p:bold r:id="rId28"/>
+      <p:italic r:id="rId29"/>
+      <p:boldItalic r:id="rId30"/>
     </p:embeddedFont>
     <p:embeddedFont>
-      <p:font typeface="Roboto Medium" panose="020B0604020202020204" charset="0"/>
+      <p:font typeface="Roboto" panose="02000000000000000000" pitchFamily="2" charset="0"/>
       <p:regular r:id="rId31"/>
       <p:bold r:id="rId32"/>
       <p:italic r:id="rId33"/>
       <p:boldItalic r:id="rId34"/>
     </p:embeddedFont>
     <p:embeddedFont>
-      <p:font typeface="Montserrat" panose="020B0604020202020204" charset="0"/>
+      <p:font typeface="Roboto Medium" panose="02000000000000000000" pitchFamily="2" charset="0"/>
       <p:regular r:id="rId35"/>
       <p:bold r:id="rId36"/>
       <p:italic r:id="rId37"/>
@@ -19397,22 +19397,10 @@
                 <a:cs typeface="Roboto Medium"/>
                 <a:sym typeface="Roboto Medium"/>
               </a:rPr>
-              <a:t>Introduction </a:t>
-            </a:r>
-            <a:r>
-              <a:rPr lang="en" sz="4800" dirty="0" smtClean="0">
-                <a:solidFill>
-                  <a:schemeClr val="lt1"/>
-                </a:solidFill>
-                <a:latin typeface="Roboto Medium"/>
-                <a:ea typeface="Roboto Medium"/>
-                <a:cs typeface="Roboto Medium"/>
-                <a:sym typeface="Roboto Medium"/>
-              </a:rPr>
-              <a:t>to</a:t>
+              <a:t>Introduction to</a:t>
             </a:r>
             <a:br>
-              <a:rPr lang="en" sz="4800" dirty="0" smtClean="0">
+              <a:rPr lang="en" sz="4800" dirty="0">
                 <a:solidFill>
                   <a:schemeClr val="lt1"/>
                 </a:solidFill>
@@ -19469,7 +19457,7 @@
               </a:buClr>
             </a:pPr>
             <a:r>
-              <a:rPr lang="sv-SE" dirty="0" smtClean="0">
+              <a:rPr lang="sv-SE" dirty="0">
                 <a:solidFill>
                   <a:schemeClr val="lt1"/>
                 </a:solidFill>
@@ -19478,7 +19466,20 @@
                 <a:cs typeface="Roboto"/>
                 <a:sym typeface="Roboto"/>
               </a:rPr>
-              <a:t>Trainer – trainer email</a:t>
+              <a:t>Trainer – </a:t>
+            </a:r>
+            <a:r>
+              <a:rPr lang="sv-SE" dirty="0">
+                <a:solidFill>
+                  <a:schemeClr val="lt1"/>
+                </a:solidFill>
+                <a:latin typeface="Roboto"/>
+                <a:ea typeface="Roboto"/>
+                <a:cs typeface="Roboto"/>
+                <a:sym typeface="Roboto"/>
+                <a:hlinkClick r:id="rId4"/>
+              </a:rPr>
+              <a:t>dimitrov.gjorge@protonmail.com</a:t>
             </a:r>
             <a:endParaRPr lang="sv-SE" dirty="0">
               <a:solidFill>
@@ -19500,7 +19501,7 @@
               </a:buClr>
             </a:pPr>
             <a:r>
-              <a:rPr lang="sv-SE" dirty="0" smtClean="0">
+              <a:rPr lang="sv-SE" dirty="0">
                 <a:solidFill>
                   <a:schemeClr val="lt1"/>
                 </a:solidFill>
@@ -19509,17 +19510,33 @@
                 <a:cs typeface="Roboto"/>
                 <a:sym typeface="Roboto"/>
               </a:rPr>
-              <a:t>Assistant – asssistant email</a:t>
+              <a:t>Assistant – </a:t>
             </a:r>
-            <a:endParaRPr lang="sv-SE" dirty="0">
-              <a:solidFill>
-                <a:schemeClr val="lt1"/>
-              </a:solidFill>
-              <a:latin typeface="Roboto"/>
-              <a:ea typeface="Roboto"/>
-              <a:cs typeface="Roboto"/>
-              <a:sym typeface="Roboto"/>
-            </a:endParaRPr>
+            <a:r>
+              <a:rPr lang="sv-SE" dirty="0">
+                <a:solidFill>
+                  <a:schemeClr val="lt1"/>
+                </a:solidFill>
+                <a:latin typeface="Roboto"/>
+                <a:ea typeface="Roboto"/>
+                <a:cs typeface="Roboto"/>
+                <a:sym typeface="Roboto"/>
+                <a:hlinkClick r:id="rId5"/>
+              </a:rPr>
+              <a:t>anetastankovskaane@gmail.com</a:t>
+            </a:r>
+            <a:r>
+              <a:rPr lang="sv-SE" dirty="0">
+                <a:solidFill>
+                  <a:schemeClr val="lt1"/>
+                </a:solidFill>
+                <a:latin typeface="Roboto"/>
+                <a:ea typeface="Roboto"/>
+                <a:cs typeface="Roboto"/>
+                <a:sym typeface="Roboto"/>
+              </a:rPr>
+              <a:t> </a:t>
+            </a:r>
           </a:p>
         </p:txBody>
       </p:sp>
@@ -19532,7 +19549,7 @@
           <p:nvPr/>
         </p:nvPicPr>
         <p:blipFill>
-          <a:blip r:embed="rId4">
+          <a:blip r:embed="rId6">
             <a:extLst>
               <a:ext uri="{28A0092B-C50C-407E-A947-70E740481C1C}">
                 <a14:useLocalDpi xmlns:a14="http://schemas.microsoft.com/office/drawing/2010/main" val="0"/>
@@ -19569,13 +19586,6 @@
   <p:clrMapOvr>
     <a:masterClrMapping/>
   </p:clrMapOvr>
-  <p:timing>
-    <p:tnLst>
-      <p:par>
-        <p:cTn id="1" dur="indefinite" restart="never" nodeType="tmRoot"/>
-      </p:par>
-    </p:tnLst>
-  </p:timing>
 </p:sld>
 </file>
 
@@ -19632,7 +19642,7 @@
               <a:buSzPts val="1100"/>
             </a:pPr>
             <a:r>
-              <a:rPr lang="en" sz="3000" b="1" dirty="0" smtClean="0">
+              <a:rPr lang="en" sz="3000" b="1" dirty="0">
                 <a:solidFill>
                   <a:srgbClr val="000000"/>
                 </a:solidFill>
@@ -19644,7 +19654,7 @@
               <a:t>JS IN THE </a:t>
             </a:r>
             <a:r>
-              <a:rPr lang="en" sz="3000" b="1" dirty="0" smtClean="0">
+              <a:rPr lang="en" sz="3000" b="1" dirty="0">
                 <a:solidFill>
                   <a:srgbClr val="7030A0"/>
                 </a:solidFill>
@@ -19656,7 +19666,7 @@
               <a:t>BROWSER</a:t>
             </a:r>
             <a:r>
-              <a:rPr lang="en" sz="3000" b="1" dirty="0" smtClean="0">
+              <a:rPr lang="en" sz="3000" b="1" dirty="0">
                 <a:solidFill>
                   <a:srgbClr val="000000"/>
                 </a:solidFill>
@@ -19668,7 +19678,7 @@
               <a:t> &amp; </a:t>
             </a:r>
             <a:r>
-              <a:rPr lang="en" sz="3000" b="1" dirty="0" smtClean="0">
+              <a:rPr lang="en" sz="3000" b="1" dirty="0">
                 <a:solidFill>
                   <a:srgbClr val="7030A0"/>
                 </a:solidFill>
@@ -19807,13 +19817,6 @@
   <p:clrMapOvr>
     <a:masterClrMapping/>
   </p:clrMapOvr>
-  <p:timing>
-    <p:tnLst>
-      <p:par>
-        <p:cTn id="1" dur="indefinite" restart="never" nodeType="tmRoot"/>
-      </p:par>
-    </p:tnLst>
-  </p:timing>
 </p:sld>
 </file>
 
@@ -19884,27 +19887,7 @@
                 <a:latin typeface="Roboto" panose="020B0604020202020204" charset="0"/>
                 <a:ea typeface="Roboto" panose="020B0604020202020204" charset="0"/>
               </a:rPr>
-              <a:t>And in the browser, we don't have all the nice APIs that Node.js provides through its modules, like the </a:t>
-            </a:r>
-            <a:r>
-              <a:rPr lang="en-US" sz="2000" dirty="0" smtClean="0">
-                <a:solidFill>
-                  <a:srgbClr val="002060"/>
-                </a:solidFill>
-                <a:latin typeface="Roboto" panose="020B0604020202020204" charset="0"/>
-                <a:ea typeface="Roboto" panose="020B0604020202020204" charset="0"/>
-              </a:rPr>
-              <a:t>file-system </a:t>
-            </a:r>
-            <a:r>
-              <a:rPr lang="en-US" sz="2000" dirty="0">
-                <a:solidFill>
-                  <a:srgbClr val="002060"/>
-                </a:solidFill>
-                <a:latin typeface="Roboto" panose="020B0604020202020204" charset="0"/>
-                <a:ea typeface="Roboto" panose="020B0604020202020204" charset="0"/>
-              </a:rPr>
-              <a:t>access functionality.</a:t>
+              <a:t>And in the browser, we don't have all the nice APIs that Node.js provides through its modules, like the file-system access functionality.</a:t>
             </a:r>
           </a:p>
           <a:p>
@@ -20210,13 +20193,6 @@
   <p:clrMapOvr>
     <a:masterClrMapping/>
   </p:clrMapOvr>
-  <p:timing>
-    <p:tnLst>
-      <p:par>
-        <p:cTn id="1" dur="indefinite" restart="never" nodeType="tmRoot"/>
-      </p:par>
-    </p:tnLst>
-  </p:timing>
 </p:sld>
 </file>
 
@@ -20284,7 +20260,7 @@
               <a:buNone/>
             </a:pPr>
             <a:r>
-              <a:rPr lang="en" sz="3000" b="1" dirty="0" smtClean="0">
+              <a:rPr lang="en" sz="3000" b="1" dirty="0">
                 <a:solidFill>
                   <a:srgbClr val="000000"/>
                 </a:solidFill>
@@ -20296,7 +20272,7 @@
               <a:t>THE </a:t>
             </a:r>
             <a:r>
-              <a:rPr lang="en" sz="3000" b="1" dirty="0" smtClean="0">
+              <a:rPr lang="en" sz="3000" b="1" dirty="0">
                 <a:solidFill>
                   <a:srgbClr val="7030A0"/>
                 </a:solidFill>
@@ -20358,25 +20334,20 @@
               </a:rPr>
               <a:t>V8 is the name of the JavaScript engine that powers Google Chrome. It's the thing that takes our JavaScript and executes it while browsing with Chrome.</a:t>
             </a:r>
-            <a:endParaRPr lang="en-US" sz="1800" dirty="0">
-              <a:solidFill>
-                <a:srgbClr val="002060"/>
-              </a:solidFill>
-              <a:latin typeface="Roboto" panose="020B0604020202020204" charset="0"/>
-              <a:ea typeface="Roboto" panose="020B0604020202020204" charset="0"/>
-            </a:endParaRPr>
           </a:p>
           <a:p>
             <a:r>
-              <a:rPr lang="en-US" sz="1800" dirty="0" smtClean="0">
+              <a:rPr lang="en-US" sz="1800" dirty="0">
                 <a:solidFill>
                   <a:srgbClr val="002060"/>
                 </a:solidFill>
                 <a:latin typeface="Roboto" panose="020B0604020202020204" charset="0"/>
                 <a:ea typeface="Roboto" panose="020B0604020202020204" charset="0"/>
               </a:rPr>
-              <a:t>The </a:t>
+              <a:t>The cool thing is that the JavaScript engine is independent of the browser in which it's hosted. This key feature enabled the rise of Node.js. V8 was chosen to be the engine that powered Node.js back in 2009, and as the popularity of Node.js exploded.</a:t>
             </a:r>
+          </a:p>
+          <a:p>
             <a:r>
               <a:rPr lang="en-US" sz="1800" dirty="0">
                 <a:solidFill>
@@ -20385,65 +20356,19 @@
                 <a:latin typeface="Roboto" panose="020B0604020202020204" charset="0"/>
                 <a:ea typeface="Roboto" panose="020B0604020202020204" charset="0"/>
               </a:rPr>
-              <a:t>cool thing is that the JavaScript engine is independent of the browser in which it's hosted. This key feature enabled the rise of Node.js. V8 was chosen to be the engine that powered Node.js back in 2009, and as the popularity of Node.js exploded.</a:t>
+              <a:t>V8 is written in C++, and it's continuously improved. It is portable and runs on Mac, Windows, Linux and several other systems.</a:t>
             </a:r>
-            <a:endParaRPr lang="en-US" sz="1800" dirty="0">
-              <a:solidFill>
-                <a:srgbClr val="002060"/>
-              </a:solidFill>
-              <a:latin typeface="Roboto" panose="020B0604020202020204" charset="0"/>
-              <a:ea typeface="Roboto" panose="020B0604020202020204" charset="0"/>
-            </a:endParaRPr>
           </a:p>
           <a:p>
             <a:r>
-              <a:rPr lang="en-US" sz="1800" dirty="0" smtClean="0">
+              <a:rPr lang="en-US" sz="1800" dirty="0">
                 <a:solidFill>
                   <a:srgbClr val="002060"/>
                 </a:solidFill>
                 <a:latin typeface="Roboto" panose="020B0604020202020204" charset="0"/>
                 <a:ea typeface="Roboto" panose="020B0604020202020204" charset="0"/>
               </a:rPr>
-              <a:t>V8 </a:t>
-            </a:r>
-            <a:r>
-              <a:rPr lang="en-US" sz="1800" dirty="0">
-                <a:solidFill>
-                  <a:srgbClr val="002060"/>
-                </a:solidFill>
-                <a:latin typeface="Roboto" panose="020B0604020202020204" charset="0"/>
-                <a:ea typeface="Roboto" panose="020B0604020202020204" charset="0"/>
-              </a:rPr>
-              <a:t>is written in C++, and it's continuously improved. It is portable and runs on Mac, Windows, Linux and several other systems.</a:t>
-            </a:r>
-            <a:endParaRPr lang="en-US" sz="1800" dirty="0">
-              <a:solidFill>
-                <a:srgbClr val="002060"/>
-              </a:solidFill>
-              <a:latin typeface="Roboto" panose="020B0604020202020204" charset="0"/>
-              <a:ea typeface="Roboto" panose="020B0604020202020204" charset="0"/>
-            </a:endParaRPr>
-          </a:p>
-          <a:p>
-            <a:r>
-              <a:rPr lang="en-US" sz="1800" dirty="0" smtClean="0">
-                <a:solidFill>
-                  <a:srgbClr val="002060"/>
-                </a:solidFill>
-                <a:latin typeface="Roboto" panose="020B0604020202020204" charset="0"/>
-                <a:ea typeface="Roboto" panose="020B0604020202020204" charset="0"/>
-              </a:rPr>
-              <a:t>JavaScript </a:t>
-            </a:r>
-            <a:r>
-              <a:rPr lang="en-US" sz="1800" dirty="0">
-                <a:solidFill>
-                  <a:srgbClr val="002060"/>
-                </a:solidFill>
-                <a:latin typeface="Roboto" panose="020B0604020202020204" charset="0"/>
-                <a:ea typeface="Roboto" panose="020B0604020202020204" charset="0"/>
-              </a:rPr>
-              <a:t>is internally compiled by V8 with </a:t>
+              <a:t>JavaScript is internally compiled by V8 with </a:t>
             </a:r>
             <a:r>
               <a:rPr lang="en-US" sz="1800" b="1" dirty="0">
@@ -20485,13 +20410,6 @@
               </a:rPr>
               <a:t> to speed up the execution.</a:t>
             </a:r>
-            <a:endParaRPr lang="en-US" sz="1800" dirty="0">
-              <a:solidFill>
-                <a:srgbClr val="002060"/>
-              </a:solidFill>
-              <a:latin typeface="Roboto" panose="020B0604020202020204" charset="0"/>
-              <a:ea typeface="Roboto" panose="020B0604020202020204" charset="0"/>
-            </a:endParaRPr>
           </a:p>
           <a:p>
             <a:pPr marL="139700" indent="0">
@@ -20514,13 +20432,6 @@
   <p:clrMapOvr>
     <a:masterClrMapping/>
   </p:clrMapOvr>
-  <p:timing>
-    <p:tnLst>
-      <p:par>
-        <p:cTn id="1" dur="indefinite" restart="never" nodeType="tmRoot"/>
-      </p:par>
-    </p:tnLst>
-  </p:timing>
 </p:sld>
 </file>
 
@@ -20588,7 +20499,7 @@
               <a:buNone/>
             </a:pPr>
             <a:r>
-              <a:rPr lang="en" sz="3000" b="1" dirty="0" smtClean="0">
+              <a:rPr lang="en" sz="3000" b="1" dirty="0">
                 <a:solidFill>
                   <a:srgbClr val="7030A0"/>
                 </a:solidFill>
@@ -20600,7 +20511,7 @@
               <a:t>NPM </a:t>
             </a:r>
             <a:r>
-              <a:rPr lang="en" sz="3000" b="1" dirty="0" smtClean="0">
+              <a:rPr lang="en" sz="3000" b="1" dirty="0">
                 <a:solidFill>
                   <a:srgbClr val="000000"/>
                 </a:solidFill>
@@ -20688,29 +20599,8 @@
                 <a:cs typeface="Roboto"/>
                 <a:sym typeface="Roboto"/>
               </a:rPr>
-              <a:t> is the standard package manager for Node.js</a:t>
+              <a:t> is the standard package manager for Node.js.</a:t>
             </a:r>
-            <a:r>
-              <a:rPr lang="en-US" sz="1800" dirty="0" smtClean="0">
-                <a:solidFill>
-                  <a:srgbClr val="073763"/>
-                </a:solidFill>
-                <a:latin typeface="Roboto"/>
-                <a:ea typeface="Roboto"/>
-                <a:cs typeface="Roboto"/>
-                <a:sym typeface="Roboto"/>
-              </a:rPr>
-              <a:t>.</a:t>
-            </a:r>
-            <a:endParaRPr lang="en-US" sz="1800" dirty="0">
-              <a:solidFill>
-                <a:srgbClr val="073763"/>
-              </a:solidFill>
-              <a:latin typeface="Roboto"/>
-              <a:ea typeface="Roboto"/>
-              <a:cs typeface="Roboto"/>
-              <a:sym typeface="Roboto"/>
-            </a:endParaRPr>
           </a:p>
           <a:p>
             <a:pPr lvl="0" indent="-342900">
@@ -20761,29 +20651,8 @@
                 <a:cs typeface="Roboto"/>
                 <a:sym typeface="Roboto"/>
               </a:rPr>
-              <a:t> registry, making it the biggest single language code repository on Earth, and you can be sure there is a package for (almost!) everything</a:t>
+              <a:t> registry, making it the biggest single language code repository on Earth, and you can be sure there is a package for (almost!) everything.</a:t>
             </a:r>
-            <a:r>
-              <a:rPr lang="en-US" sz="1800" dirty="0" smtClean="0">
-                <a:solidFill>
-                  <a:srgbClr val="073763"/>
-                </a:solidFill>
-                <a:latin typeface="Roboto"/>
-                <a:ea typeface="Roboto"/>
-                <a:cs typeface="Roboto"/>
-                <a:sym typeface="Roboto"/>
-              </a:rPr>
-              <a:t>.</a:t>
-            </a:r>
-            <a:endParaRPr lang="en-US" sz="1800" dirty="0">
-              <a:solidFill>
-                <a:srgbClr val="073763"/>
-              </a:solidFill>
-              <a:latin typeface="Roboto"/>
-              <a:ea typeface="Roboto"/>
-              <a:cs typeface="Roboto"/>
-              <a:sym typeface="Roboto"/>
-            </a:endParaRPr>
           </a:p>
           <a:p>
             <a:pPr lvl="0" indent="-342900">
@@ -20828,13 +20697,6 @@
   <p:clrMapOvr>
     <a:masterClrMapping/>
   </p:clrMapOvr>
-  <p:timing>
-    <p:tnLst>
-      <p:par>
-        <p:cTn id="1" dur="indefinite" restart="never" nodeType="tmRoot"/>
-      </p:par>
-    </p:tnLst>
-  </p:timing>
 </p:sld>
 </file>
 
@@ -20902,7 +20764,7 @@
               <a:buNone/>
             </a:pPr>
             <a:r>
-              <a:rPr lang="en" sz="3000" b="1" dirty="0" smtClean="0">
+              <a:rPr lang="en" sz="3000" b="1" dirty="0">
                 <a:solidFill>
                   <a:srgbClr val="7030A0"/>
                 </a:solidFill>
@@ -20914,7 +20776,7 @@
               <a:t>NPM </a:t>
             </a:r>
             <a:r>
-              <a:rPr lang="en" sz="3000" b="1" dirty="0" smtClean="0">
+              <a:rPr lang="en" sz="3000" b="1" dirty="0">
                 <a:solidFill>
                   <a:srgbClr val="000000"/>
                 </a:solidFill>
@@ -20980,7 +20842,7 @@
               <a:buNone/>
             </a:pPr>
             <a:r>
-              <a:rPr lang="en-US" sz="1800" dirty="0" smtClean="0">
+              <a:rPr lang="en-US" sz="1800" dirty="0">
                 <a:solidFill>
                   <a:srgbClr val="073763"/>
                 </a:solidFill>
@@ -21008,7 +20870,7 @@
               <a:buChar char="●"/>
             </a:pPr>
             <a:r>
-              <a:rPr lang="en-US" sz="1800" dirty="0" smtClean="0">
+              <a:rPr lang="en-US" sz="1800" dirty="0">
                 <a:solidFill>
                   <a:srgbClr val="073763"/>
                 </a:solidFill>
@@ -21019,15 +20881,6 @@
               </a:rPr>
               <a:t>Install and update dependencies of your project.</a:t>
             </a:r>
-            <a:endParaRPr lang="en-US" sz="1800" dirty="0">
-              <a:solidFill>
-                <a:srgbClr val="073763"/>
-              </a:solidFill>
-              <a:latin typeface="Roboto"/>
-              <a:ea typeface="Roboto"/>
-              <a:cs typeface="Roboto"/>
-              <a:sym typeface="Roboto"/>
-            </a:endParaRPr>
           </a:p>
           <a:p>
             <a:pPr lvl="0" indent="-342900">
@@ -21045,7 +20898,7 @@
               <a:buChar char="●"/>
             </a:pPr>
             <a:r>
-              <a:rPr lang="en-US" sz="1800" dirty="0" smtClean="0">
+              <a:rPr lang="en-US" sz="1800" dirty="0">
                 <a:solidFill>
                   <a:srgbClr val="073763"/>
                 </a:solidFill>
@@ -21073,7 +20926,7 @@
               <a:buChar char="●"/>
             </a:pPr>
             <a:r>
-              <a:rPr lang="en-US" sz="1800" dirty="0" smtClean="0">
+              <a:rPr lang="en-US" sz="1800" dirty="0">
                 <a:solidFill>
                   <a:srgbClr val="073763"/>
                 </a:solidFill>
@@ -21104,13 +20957,6 @@
   <p:clrMapOvr>
     <a:masterClrMapping/>
   </p:clrMapOvr>
-  <p:timing>
-    <p:tnLst>
-      <p:par>
-        <p:cTn id="1" dur="indefinite" restart="never" nodeType="tmRoot"/>
-      </p:par>
-    </p:tnLst>
-  </p:timing>
 </p:sld>
 </file>
 
@@ -21178,7 +21024,7 @@
               <a:buNone/>
             </a:pPr>
             <a:r>
-              <a:rPr lang="en" sz="3000" b="1" dirty="0" smtClean="0">
+              <a:rPr lang="en" sz="3000" b="1" dirty="0">
                 <a:solidFill>
                   <a:srgbClr val="7030A0"/>
                 </a:solidFill>
@@ -21235,13 +21081,6 @@
   <p:clrMapOvr>
     <a:masterClrMapping/>
   </p:clrMapOvr>
-  <p:timing>
-    <p:tnLst>
-      <p:par>
-        <p:cTn id="1" dur="indefinite" restart="never" nodeType="tmRoot"/>
-      </p:par>
-    </p:tnLst>
-  </p:timing>
 </p:sld>
 </file>
 
@@ -21301,7 +21140,7 @@
               <a:buChar char="●"/>
             </a:pPr>
             <a:r>
-              <a:rPr lang="en-US" sz="2200" dirty="0" smtClean="0">
+              <a:rPr lang="en-US" sz="2200" dirty="0">
                 <a:solidFill>
                   <a:schemeClr val="dk1"/>
                 </a:solidFill>
@@ -21309,7 +21148,7 @@
               <a:t>Create a folder with a .</a:t>
             </a:r>
             <a:r>
-              <a:rPr lang="en-US" sz="2200" dirty="0" err="1" smtClean="0">
+              <a:rPr lang="en-US" sz="2200" dirty="0" err="1">
                 <a:solidFill>
                   <a:schemeClr val="dk1"/>
                 </a:solidFill>
@@ -21317,7 +21156,7 @@
               <a:t>js</a:t>
             </a:r>
             <a:r>
-              <a:rPr lang="en-US" sz="2200" dirty="0" smtClean="0">
+              <a:rPr lang="en-US" sz="2200" dirty="0">
                 <a:solidFill>
                   <a:schemeClr val="dk1"/>
                 </a:solidFill>
@@ -21341,7 +21180,7 @@
               <a:buNone/>
             </a:pPr>
             <a:r>
-              <a:rPr lang="en-US" sz="2200" dirty="0" smtClean="0">
+              <a:rPr lang="en-US" sz="2200" dirty="0">
                 <a:solidFill>
                   <a:schemeClr val="dk1"/>
                 </a:solidFill>
@@ -21369,7 +21208,7 @@
               <a:buChar char="●"/>
             </a:pPr>
             <a:r>
-              <a:rPr lang="en-US" sz="2200" dirty="0" smtClean="0">
+              <a:rPr lang="en-US" sz="2200" dirty="0">
                 <a:solidFill>
                   <a:schemeClr val="dk1"/>
                 </a:solidFill>
@@ -21392,7 +21231,7 @@
               <a:buChar char="●"/>
             </a:pPr>
             <a:r>
-              <a:rPr lang="en-US" sz="2200" dirty="0" smtClean="0">
+              <a:rPr lang="en-US" sz="2200" dirty="0">
                 <a:solidFill>
                   <a:schemeClr val="dk1"/>
                 </a:solidFill>
@@ -21400,7 +21239,7 @@
               <a:t>Run command ‘</a:t>
             </a:r>
             <a:r>
-              <a:rPr lang="en-US" sz="2200" dirty="0" err="1" smtClean="0">
+              <a:rPr lang="en-US" sz="2200" dirty="0" err="1">
                 <a:solidFill>
                   <a:schemeClr val="dk1"/>
                 </a:solidFill>
@@ -21408,7 +21247,7 @@
               <a:t>npm</a:t>
             </a:r>
             <a:r>
-              <a:rPr lang="en-US" sz="2200" dirty="0" smtClean="0">
+              <a:rPr lang="en-US" sz="2200" dirty="0">
                 <a:solidFill>
                   <a:schemeClr val="dk1"/>
                 </a:solidFill>
@@ -21416,7 +21255,7 @@
               <a:t> </a:t>
             </a:r>
             <a:r>
-              <a:rPr lang="en-US" sz="2200" dirty="0" err="1" smtClean="0">
+              <a:rPr lang="en-US" sz="2200" dirty="0" err="1">
                 <a:solidFill>
                   <a:schemeClr val="dk1"/>
                 </a:solidFill>
@@ -21424,7 +21263,7 @@
               <a:t>init</a:t>
             </a:r>
             <a:r>
-              <a:rPr lang="en-US" sz="2200" dirty="0" smtClean="0">
+              <a:rPr lang="en-US" sz="2200" dirty="0">
                 <a:solidFill>
                   <a:schemeClr val="dk1"/>
                 </a:solidFill>
@@ -21526,7 +21365,7 @@
               <a:buNone/>
             </a:pPr>
             <a:r>
-              <a:rPr lang="en" dirty="0" smtClean="0">
+              <a:rPr lang="en" dirty="0">
                 <a:solidFill>
                   <a:srgbClr val="7030A0"/>
                 </a:solidFill>
@@ -21546,13 +21385,6 @@
   <p:clrMapOvr>
     <a:masterClrMapping/>
   </p:clrMapOvr>
-  <p:timing>
-    <p:tnLst>
-      <p:par>
-        <p:cTn id="1" dur="indefinite" restart="never" nodeType="tmRoot"/>
-      </p:par>
-    </p:tnLst>
-  </p:timing>
 </p:sld>
 </file>
 
@@ -21714,15 +21546,16 @@
               <a:buChar char="•"/>
             </a:pPr>
             <a:r>
-              <a:rPr lang="en-US" sz="2400" dirty="0" smtClean="0">
+              <a:rPr lang="en-US" sz="2400" dirty="0">
                 <a:latin typeface="Roboto"/>
                 <a:ea typeface="Roboto"/>
                 <a:cs typeface="Roboto"/>
                 <a:sym typeface="Roboto"/>
+                <a:hlinkClick r:id="rId3"/>
               </a:rPr>
-              <a:t>mail</a:t>
+              <a:t>Trainer's Facebook profile</a:t>
             </a:r>
-            <a:endParaRPr sz="2400" dirty="0">
+            <a:endParaRPr lang="en-US" sz="2400" dirty="0">
               <a:latin typeface="Roboto"/>
               <a:ea typeface="Roboto"/>
               <a:cs typeface="Roboto"/>
@@ -21732,7 +21565,7 @@
           <a:p>
             <a:pPr marL="457200" lvl="0" indent="-381000" algn="l" rtl="0">
               <a:spcBef>
-                <a:spcPts val="0"/>
+                <a:spcPts val="1000"/>
               </a:spcBef>
               <a:spcAft>
                 <a:spcPts val="0"/>
@@ -21745,15 +21578,16 @@
               <a:buChar char="•"/>
             </a:pPr>
             <a:r>
-              <a:rPr lang="en" sz="2400" dirty="0" smtClean="0">
+              <a:rPr lang="en-US" sz="2400" dirty="0">
                 <a:latin typeface="Roboto"/>
                 <a:ea typeface="Roboto"/>
                 <a:cs typeface="Roboto"/>
                 <a:sym typeface="Roboto"/>
+                <a:hlinkClick r:id="rId4"/>
               </a:rPr>
-              <a:t>main</a:t>
+              <a:t>Assistant's Facebook Profile</a:t>
             </a:r>
-            <a:endParaRPr lang="en" sz="2400" dirty="0" smtClean="0">
+            <a:endParaRPr lang="en" sz="2400" dirty="0">
               <a:latin typeface="Roboto"/>
               <a:ea typeface="Roboto"/>
               <a:cs typeface="Roboto"/>
@@ -21776,13 +21610,13 @@
               <a:buNone/>
             </a:pPr>
             <a:r>
-              <a:rPr lang="en" sz="2400" dirty="0" smtClean="0">
+              <a:rPr lang="en" sz="2400" dirty="0">
                 <a:latin typeface="Roboto"/>
                 <a:ea typeface="Roboto"/>
                 <a:cs typeface="Roboto"/>
                 <a:sym typeface="Roboto"/>
               </a:rPr>
-              <a:t>You can find us at</a:t>
+              <a:t>Demo code and Materials</a:t>
             </a:r>
           </a:p>
           <a:p>
@@ -21801,8 +21635,10 @@
               <a:buChar char="•"/>
             </a:pPr>
             <a:r>
-              <a:rPr lang="en-US" sz="2400" dirty="0" smtClean="0"/>
-              <a:t>Link-to-repo</a:t>
+              <a:rPr lang="en-US" sz="2400" dirty="0">
+                <a:hlinkClick r:id="rId5"/>
+              </a:rPr>
+              <a:t>Link to GitHub repository</a:t>
             </a:r>
             <a:endParaRPr lang="en-US" sz="2400" dirty="0">
               <a:latin typeface="Roboto"/>
@@ -21818,13 +21654,6 @@
   <p:clrMapOvr>
     <a:masterClrMapping/>
   </p:clrMapOvr>
-  <p:timing>
-    <p:tnLst>
-      <p:par>
-        <p:cTn id="1" dur="indefinite" restart="never" nodeType="tmRoot"/>
-      </p:par>
-    </p:tnLst>
-  </p:timing>
 </p:sld>
 </file>
 
@@ -21935,8 +21764,8 @@
         </p:nvSpPr>
         <p:spPr>
           <a:xfrm>
-            <a:off x="1210838" y="2954325"/>
-            <a:ext cx="2481300" cy="1074900"/>
+            <a:off x="1210837" y="2954325"/>
+            <a:ext cx="2847692" cy="1074900"/>
           </a:xfrm>
           <a:prstGeom prst="rect">
             <a:avLst/>
@@ -21962,7 +21791,7 @@
               <a:buNone/>
             </a:pPr>
             <a:r>
-              <a:rPr lang="en-US" sz="1800" dirty="0" err="1" smtClean="0">
+              <a:rPr lang="en-US" sz="1800" dirty="0">
                 <a:solidFill>
                   <a:srgbClr val="7030A0"/>
                 </a:solidFill>
@@ -21971,7 +21800,7 @@
                 <a:cs typeface="Roboto"/>
                 <a:sym typeface="Roboto"/>
               </a:rPr>
-              <a:t>WhoAmI</a:t>
+              <a:t>George Dimitrov</a:t>
             </a:r>
             <a:endParaRPr sz="1800" dirty="0">
               <a:solidFill>
@@ -21994,13 +21823,22 @@
               <a:buNone/>
             </a:pPr>
             <a:r>
-              <a:rPr lang="en" sz="1800" dirty="0" smtClean="0">
+              <a:rPr lang="en" sz="1800" dirty="0">
                 <a:latin typeface="Roboto"/>
                 <a:ea typeface="Roboto"/>
                 <a:cs typeface="Roboto"/>
                 <a:sym typeface="Roboto"/>
               </a:rPr>
-              <a:t>Developer@Company</a:t>
+              <a:t>Full Stack Web Developer @</a:t>
+            </a:r>
+            <a:r>
+              <a:rPr lang="en-US" sz="1800" dirty="0">
+                <a:latin typeface="Roboto"/>
+                <a:ea typeface="Roboto"/>
+                <a:cs typeface="Roboto"/>
+                <a:sym typeface="Roboto"/>
+              </a:rPr>
+              <a:t>Symphony</a:t>
             </a:r>
             <a:endParaRPr sz="1800" dirty="0">
               <a:latin typeface="Roboto"/>
@@ -22045,8 +21883,8 @@
         </p:nvSpPr>
         <p:spPr>
           <a:xfrm>
-            <a:off x="5451863" y="2954325"/>
-            <a:ext cx="2481300" cy="1074900"/>
+            <a:off x="5169877" y="2954325"/>
+            <a:ext cx="2763286" cy="1074900"/>
           </a:xfrm>
           <a:prstGeom prst="rect">
             <a:avLst/>
@@ -22072,7 +21910,7 @@
               <a:buNone/>
             </a:pPr>
             <a:r>
-              <a:rPr lang="en" sz="1800" dirty="0" smtClean="0">
+              <a:rPr lang="en-US" sz="1800" dirty="0">
                 <a:solidFill>
                   <a:srgbClr val="7030A0"/>
                 </a:solidFill>
@@ -22081,7 +21919,7 @@
                 <a:cs typeface="Roboto"/>
                 <a:sym typeface="Roboto"/>
               </a:rPr>
-              <a:t>WhoAmI</a:t>
+              <a:t>Aneta Stankovska</a:t>
             </a:r>
             <a:endParaRPr sz="1800" dirty="0">
               <a:solidFill>
@@ -22094,15 +21932,43 @@
             </a:endParaRPr>
           </a:p>
           <a:p>
-            <a:pPr lvl="0" algn="ctr"/>
+            <a:pPr marL="0" lvl="0" indent="0" algn="ctr" rtl="0">
+              <a:spcBef>
+                <a:spcPts val="0"/>
+              </a:spcBef>
+              <a:spcAft>
+                <a:spcPts val="0"/>
+              </a:spcAft>
+              <a:buNone/>
+            </a:pPr>
             <a:r>
-              <a:rPr lang="en" sz="1800" dirty="0">
+              <a:rPr lang="sv-SE" sz="1800" dirty="0">
                 <a:latin typeface="Roboto"/>
                 <a:ea typeface="Roboto"/>
                 <a:cs typeface="Roboto"/>
                 <a:sym typeface="Roboto"/>
               </a:rPr>
-              <a:t>Developer@Company</a:t>
+              <a:t>Full Stack Web Developer @Sourcico</a:t>
+            </a:r>
+          </a:p>
+          <a:p>
+            <a:pPr marL="0" lvl="0" indent="0" algn="ctr" rtl="0">
+              <a:spcBef>
+                <a:spcPts val="0"/>
+              </a:spcBef>
+              <a:spcAft>
+                <a:spcPts val="0"/>
+              </a:spcAft>
+              <a:buNone/>
+            </a:pPr>
+            <a:r>
+              <a:rPr lang="sv-SE" sz="1800" dirty="0">
+                <a:latin typeface="Roboto"/>
+                <a:ea typeface="Roboto"/>
+                <a:cs typeface="Roboto"/>
+                <a:sym typeface="Roboto"/>
+              </a:rPr>
+              <a:t>Assistant @SEDC</a:t>
             </a:r>
             <a:endParaRPr lang="en-US" sz="1800" dirty="0">
               <a:latin typeface="Roboto"/>
@@ -22110,18 +21976,6 @@
               <a:cs typeface="Roboto"/>
               <a:sym typeface="Roboto"/>
             </a:endParaRPr>
-          </a:p>
-          <a:p>
-            <a:pPr lvl="0" algn="ctr"/>
-            <a:r>
-              <a:rPr lang="en-US" sz="1800" dirty="0">
-                <a:latin typeface="Roboto"/>
-                <a:ea typeface="Roboto"/>
-                <a:cs typeface="Roboto"/>
-                <a:sym typeface="Roboto"/>
-              </a:rPr>
-              <a:t>Trainer @SEDC</a:t>
-            </a:r>
           </a:p>
         </p:txBody>
       </p:sp>
@@ -22141,7 +21995,7 @@
         </p:blipFill>
         <p:spPr>
           <a:xfrm>
-            <a:off x="5881975" y="1180849"/>
+            <a:off x="1583506" y="1180850"/>
             <a:ext cx="1621075" cy="1621075"/>
           </a:xfrm>
           <a:prstGeom prst="rect">
@@ -22174,7 +22028,7 @@
         </p:blipFill>
         <p:spPr>
           <a:xfrm>
-            <a:off x="1690977" y="1180850"/>
+            <a:off x="5939421" y="1180850"/>
             <a:ext cx="1621075" cy="1621075"/>
           </a:xfrm>
           <a:prstGeom prst="rect">
@@ -22197,13 +22051,6 @@
   <p:clrMapOvr>
     <a:masterClrMapping/>
   </p:clrMapOvr>
-  <p:timing>
-    <p:tnLst>
-      <p:par>
-        <p:cTn id="1" dur="indefinite" restart="never" nodeType="tmRoot"/>
-      </p:par>
-    </p:tnLst>
-  </p:timing>
 </p:sld>
 </file>
 
@@ -22386,19 +22233,7 @@
                 <a:cs typeface="Roboto"/>
                 <a:sym typeface="Roboto"/>
               </a:rPr>
-              <a:t>Understanding the basics of </a:t>
-            </a:r>
-            <a:r>
-              <a:rPr lang="en" sz="2400" dirty="0" smtClean="0">
-                <a:solidFill>
-                  <a:srgbClr val="073763"/>
-                </a:solidFill>
-                <a:latin typeface="Roboto"/>
-                <a:ea typeface="Roboto"/>
-                <a:cs typeface="Roboto"/>
-                <a:sym typeface="Roboto"/>
-              </a:rPr>
-              <a:t>Node.js</a:t>
+              <a:t>Understanding the basics of Node.js</a:t>
             </a:r>
             <a:endParaRPr sz="2400" dirty="0">
               <a:solidFill>
@@ -22438,19 +22273,7 @@
                 <a:cs typeface="Roboto"/>
                 <a:sym typeface="Roboto"/>
               </a:rPr>
-              <a:t>Learning to use </a:t>
-            </a:r>
-            <a:r>
-              <a:rPr lang="en" sz="2400" dirty="0" smtClean="0">
-                <a:solidFill>
-                  <a:srgbClr val="073763"/>
-                </a:solidFill>
-                <a:latin typeface="Roboto"/>
-                <a:ea typeface="Roboto"/>
-                <a:cs typeface="Roboto"/>
-                <a:sym typeface="Roboto"/>
-              </a:rPr>
-              <a:t>npm packages</a:t>
+              <a:t>Learning to use npm packages</a:t>
             </a:r>
             <a:endParaRPr sz="2400" dirty="0">
               <a:solidFill>
@@ -22490,31 +22313,7 @@
                 <a:cs typeface="Roboto"/>
                 <a:sym typeface="Roboto"/>
               </a:rPr>
-              <a:t>Solving problems in </a:t>
-            </a:r>
-            <a:r>
-              <a:rPr lang="en" sz="2400" dirty="0" smtClean="0">
-                <a:solidFill>
-                  <a:srgbClr val="073763"/>
-                </a:solidFill>
-                <a:latin typeface="Roboto"/>
-                <a:ea typeface="Roboto"/>
-                <a:cs typeface="Roboto"/>
-                <a:sym typeface="Roboto"/>
-              </a:rPr>
-              <a:t>Node.js by </a:t>
-            </a:r>
-            <a:r>
-              <a:rPr lang="en" sz="2400" dirty="0">
-                <a:solidFill>
-                  <a:srgbClr val="073763"/>
-                </a:solidFill>
-                <a:latin typeface="Roboto"/>
-                <a:ea typeface="Roboto"/>
-                <a:cs typeface="Roboto"/>
-                <a:sym typeface="Roboto"/>
-              </a:rPr>
-              <a:t>building applications</a:t>
+              <a:t>Solving problems in Node.js by building applications</a:t>
             </a:r>
             <a:endParaRPr sz="2400" dirty="0">
               <a:solidFill>
@@ -22554,19 +22353,7 @@
                 <a:cs typeface="Roboto"/>
                 <a:sym typeface="Roboto"/>
               </a:rPr>
-              <a:t>Writing a lot of </a:t>
-            </a:r>
-            <a:r>
-              <a:rPr lang="en" sz="2400" dirty="0" smtClean="0">
-                <a:solidFill>
-                  <a:srgbClr val="073763"/>
-                </a:solidFill>
-                <a:latin typeface="Roboto"/>
-                <a:ea typeface="Roboto"/>
-                <a:cs typeface="Roboto"/>
-                <a:sym typeface="Roboto"/>
-              </a:rPr>
-              <a:t>JS code compiled in Node.js runtime environment</a:t>
+              <a:t>Writing a lot of JS code compiled in Node.js runtime environment</a:t>
             </a:r>
             <a:endParaRPr sz="2400" dirty="0">
               <a:latin typeface="Roboto"/>
@@ -22582,13 +22369,6 @@
   <p:clrMapOvr>
     <a:masterClrMapping/>
   </p:clrMapOvr>
-  <p:timing>
-    <p:tnLst>
-      <p:par>
-        <p:cTn id="1" dur="indefinite" restart="never" nodeType="tmRoot"/>
-      </p:par>
-    </p:tnLst>
-  </p:timing>
 </p:sld>
 </file>
 
@@ -22966,13 +22746,6 @@
   <p:clrMapOvr>
     <a:masterClrMapping/>
   </p:clrMapOvr>
-  <p:timing>
-    <p:tnLst>
-      <p:par>
-        <p:cTn id="1" dur="indefinite" restart="never" nodeType="tmRoot"/>
-      </p:par>
-    </p:tnLst>
-  </p:timing>
 </p:sld>
 </file>
 
@@ -26370,43 +26143,7 @@
                 <a:cs typeface="Roboto"/>
                 <a:sym typeface="Roboto"/>
               </a:rPr>
-              <a:t>C# / JAVA </a:t>
-            </a:r>
-            <a:r>
-              <a:rPr lang="en" sz="1800" dirty="0" smtClean="0">
-                <a:solidFill>
-                  <a:srgbClr val="073763"/>
-                </a:solidFill>
-                <a:latin typeface="Roboto"/>
-                <a:ea typeface="Roboto"/>
-                <a:cs typeface="Roboto"/>
-                <a:sym typeface="Roboto"/>
-              </a:rPr>
-              <a:t>/ JS / </a:t>
-            </a:r>
-            <a:r>
-              <a:rPr lang="en" sz="1800" dirty="0">
-                <a:solidFill>
-                  <a:srgbClr val="073763"/>
-                </a:solidFill>
-                <a:latin typeface="Roboto"/>
-                <a:ea typeface="Roboto"/>
-                <a:cs typeface="Roboto"/>
-                <a:sym typeface="Roboto"/>
-              </a:rPr>
-              <a:t>PYTHON / </a:t>
-            </a:r>
-            <a:r>
-              <a:rPr lang="en" sz="1800" dirty="0" smtClean="0">
-                <a:solidFill>
-                  <a:srgbClr val="073763"/>
-                </a:solidFill>
-                <a:latin typeface="Roboto"/>
-                <a:ea typeface="Roboto"/>
-                <a:cs typeface="Roboto"/>
-                <a:sym typeface="Roboto"/>
-              </a:rPr>
-              <a:t>PHP </a:t>
+              <a:t>C# / JAVA / JS / PYTHON / PHP </a:t>
             </a:r>
             <a:endParaRPr sz="1800" dirty="0">
               <a:solidFill>
@@ -26434,7 +26171,7 @@
               <a:buChar char="●"/>
             </a:pPr>
             <a:r>
-              <a:rPr lang="en" sz="1800" dirty="0" smtClean="0">
+              <a:rPr lang="en" sz="1800" dirty="0">
                 <a:solidFill>
                   <a:srgbClr val="073763"/>
                 </a:solidFill>
@@ -26443,31 +26180,7 @@
                 <a:cs typeface="Roboto"/>
                 <a:sym typeface="Roboto"/>
               </a:rPr>
-              <a:t>MVC </a:t>
-            </a:r>
-            <a:r>
-              <a:rPr lang="en" sz="1800" dirty="0">
-                <a:solidFill>
-                  <a:srgbClr val="073763"/>
-                </a:solidFill>
-                <a:latin typeface="Roboto"/>
-                <a:ea typeface="Roboto"/>
-                <a:cs typeface="Roboto"/>
-                <a:sym typeface="Roboto"/>
-              </a:rPr>
-              <a:t>/ </a:t>
-            </a:r>
-            <a:r>
-              <a:rPr lang="en" sz="1800" dirty="0" smtClean="0">
-                <a:solidFill>
-                  <a:srgbClr val="073763"/>
-                </a:solidFill>
-                <a:latin typeface="Roboto"/>
-                <a:ea typeface="Roboto"/>
-                <a:cs typeface="Roboto"/>
-                <a:sym typeface="Roboto"/>
-              </a:rPr>
-              <a:t>RestAPI / GraphQL</a:t>
+              <a:t>MVC / RestAPI / GraphQL</a:t>
             </a:r>
             <a:endParaRPr sz="1800" dirty="0">
               <a:solidFill>
@@ -26532,7 +26245,7 @@
               <a:buChar char="●"/>
             </a:pPr>
             <a:r>
-              <a:rPr lang="en" sz="1800" dirty="0" smtClean="0">
+              <a:rPr lang="en" sz="1800" dirty="0">
                 <a:solidFill>
                   <a:srgbClr val="073763"/>
                 </a:solidFill>
@@ -26541,43 +26254,7 @@
                 <a:cs typeface="Roboto"/>
                 <a:sym typeface="Roboto"/>
               </a:rPr>
-              <a:t>.NET</a:t>
-            </a:r>
-            <a:r>
-              <a:rPr lang="en" sz="1800" dirty="0" smtClean="0">
-                <a:solidFill>
-                  <a:srgbClr val="073763"/>
-                </a:solidFill>
-                <a:latin typeface="Roboto"/>
-                <a:ea typeface="Roboto"/>
-                <a:cs typeface="Roboto"/>
-                <a:sym typeface="Roboto"/>
-              </a:rPr>
-              <a:t> </a:t>
-            </a:r>
-            <a:r>
-              <a:rPr lang="en" sz="1800" dirty="0">
-                <a:solidFill>
-                  <a:srgbClr val="073763"/>
-                </a:solidFill>
-                <a:latin typeface="Roboto"/>
-                <a:ea typeface="Roboto"/>
-                <a:cs typeface="Roboto"/>
-                <a:sym typeface="Roboto"/>
-              </a:rPr>
-              <a:t>Framework / </a:t>
-            </a:r>
-            <a:r>
-              <a:rPr lang="en" sz="1800" dirty="0" smtClean="0">
-                <a:solidFill>
-                  <a:srgbClr val="073763"/>
-                </a:solidFill>
-                <a:latin typeface="Roboto"/>
-                <a:ea typeface="Roboto"/>
-                <a:cs typeface="Roboto"/>
-                <a:sym typeface="Roboto"/>
-              </a:rPr>
-              <a:t>Nest.js Framework</a:t>
+              <a:t>.NET Framework / Nest.js Framework</a:t>
             </a:r>
             <a:endParaRPr sz="1800" dirty="0">
               <a:solidFill>
@@ -26687,13 +26364,6 @@
   <p:clrMapOvr>
     <a:masterClrMapping/>
   </p:clrMapOvr>
-  <p:timing>
-    <p:tnLst>
-      <p:par>
-        <p:cTn id="1" dur="indefinite" restart="never" nodeType="tmRoot"/>
-      </p:par>
-    </p:tnLst>
-  </p:timing>
 </p:sld>
 </file>
 
@@ -26770,22 +26440,10 @@
                 <a:cs typeface="Roboto"/>
                 <a:sym typeface="Roboto"/>
               </a:rPr>
-              <a:t>WHAT </a:t>
+              <a:t>WHAT IS </a:t>
             </a:r>
             <a:r>
-              <a:rPr lang="en" sz="3000" b="1" dirty="0" smtClean="0">
-                <a:solidFill>
-                  <a:srgbClr val="000000"/>
-                </a:solidFill>
-                <a:latin typeface="Roboto"/>
-                <a:ea typeface="Roboto"/>
-                <a:cs typeface="Roboto"/>
-                <a:sym typeface="Roboto"/>
-              </a:rPr>
-              <a:t>IS </a:t>
-            </a:r>
-            <a:r>
-              <a:rPr lang="en" sz="3000" b="1" dirty="0" smtClean="0">
+              <a:rPr lang="en" sz="3000" b="1" dirty="0">
                 <a:solidFill>
                   <a:srgbClr val="7030A0"/>
                 </a:solidFill>
@@ -26851,7 +26509,7 @@
               <a:buNone/>
             </a:pPr>
             <a:r>
-              <a:rPr lang="en-US" sz="1800" dirty="0" smtClean="0">
+              <a:rPr lang="en-US" sz="1800" dirty="0">
                 <a:solidFill>
                   <a:srgbClr val="073763"/>
                 </a:solidFill>
@@ -26860,19 +26518,7 @@
                 <a:cs typeface="Roboto"/>
                 <a:sym typeface="Roboto"/>
               </a:rPr>
-              <a:t>Node.js </a:t>
-            </a:r>
-            <a:r>
-              <a:rPr lang="en-US" sz="1800" dirty="0">
-                <a:solidFill>
-                  <a:srgbClr val="073763"/>
-                </a:solidFill>
-                <a:latin typeface="Roboto"/>
-                <a:ea typeface="Roboto"/>
-                <a:cs typeface="Roboto"/>
-                <a:sym typeface="Roboto"/>
-              </a:rPr>
-              <a:t>is an open-source and cross-platform JavaScript </a:t>
+              <a:t>Node.js is an open-source and cross-platform JavaScript </a:t>
             </a:r>
             <a:r>
               <a:rPr lang="en-US" sz="1800" b="1" dirty="0">
@@ -26950,7 +26596,7 @@
               </a:rPr>
               <a:t>Node.js runs the V8 JavaScript engine, the core of Google Chrome, outside of the browser. This allows Node.js to be very performant.</a:t>
             </a:r>
-            <a:endParaRPr sz="1800" dirty="0" smtClean="0">
+            <a:endParaRPr sz="1800" dirty="0">
               <a:solidFill>
                 <a:srgbClr val="073763"/>
               </a:solidFill>
@@ -26990,13 +26636,6 @@
   <p:clrMapOvr>
     <a:masterClrMapping/>
   </p:clrMapOvr>
-  <p:timing>
-    <p:tnLst>
-      <p:par>
-        <p:cTn id="1" dur="indefinite" restart="never" nodeType="tmRoot"/>
-      </p:par>
-    </p:tnLst>
-  </p:timing>
 </p:sld>
 </file>
 
@@ -27064,7 +26703,7 @@
               <a:buNone/>
             </a:pPr>
             <a:r>
-              <a:rPr lang="en" sz="3000" b="1" dirty="0" smtClean="0">
+              <a:rPr lang="en" sz="3000" b="1" dirty="0">
                 <a:solidFill>
                   <a:srgbClr val="7030A0"/>
                 </a:solidFill>
@@ -27140,29 +26779,8 @@
                 <a:cs typeface="Roboto"/>
                 <a:sym typeface="Roboto"/>
               </a:rPr>
-              <a:t>A Node.js app runs in a single process, without creating a new thread for every request. Node.js provides a set of asynchronous I/O primitives in its standard library that prevent JavaScript code from blocking</a:t>
+              <a:t>A Node.js app runs in a single process, without creating a new thread for every request. Node.js provides a set of asynchronous I/O primitives in its standard library that prevent JavaScript code from blocking.</a:t>
             </a:r>
-            <a:r>
-              <a:rPr lang="en-US" sz="1800" dirty="0" smtClean="0">
-                <a:solidFill>
-                  <a:srgbClr val="073763"/>
-                </a:solidFill>
-                <a:latin typeface="Roboto"/>
-                <a:ea typeface="Roboto"/>
-                <a:cs typeface="Roboto"/>
-                <a:sym typeface="Roboto"/>
-              </a:rPr>
-              <a:t>.</a:t>
-            </a:r>
-            <a:endParaRPr lang="en-US" sz="1800" dirty="0">
-              <a:solidFill>
-                <a:srgbClr val="073763"/>
-              </a:solidFill>
-              <a:latin typeface="Roboto"/>
-              <a:ea typeface="Roboto"/>
-              <a:cs typeface="Roboto"/>
-              <a:sym typeface="Roboto"/>
-            </a:endParaRPr>
           </a:p>
           <a:p>
             <a:pPr lvl="0" indent="-342900">
@@ -27251,13 +26869,6 @@
   <p:clrMapOvr>
     <a:masterClrMapping/>
   </p:clrMapOvr>
-  <p:timing>
-    <p:tnLst>
-      <p:par>
-        <p:cTn id="1" dur="indefinite" restart="never" nodeType="tmRoot"/>
-      </p:par>
-    </p:tnLst>
-  </p:timing>
 </p:sld>
 </file>
 
@@ -27325,7 +26936,7 @@
               <a:buNone/>
             </a:pPr>
             <a:r>
-              <a:rPr lang="en" sz="3000" b="1" dirty="0" smtClean="0">
+              <a:rPr lang="en" sz="3000" b="1" dirty="0">
                 <a:solidFill>
                   <a:srgbClr val="7030A0"/>
                 </a:solidFill>
@@ -27464,13 +27075,6 @@
   <p:clrMapOvr>
     <a:masterClrMapping/>
   </p:clrMapOvr>
-  <p:timing>
-    <p:tnLst>
-      <p:par>
-        <p:cTn id="1" dur="indefinite" restart="never" nodeType="tmRoot"/>
-      </p:par>
-    </p:tnLst>
-  </p:timing>
 </p:sld>
 </file>
 
@@ -27705,13 +27309,6 @@
   <p:clrMapOvr>
     <a:masterClrMapping/>
   </p:clrMapOvr>
-  <p:timing>
-    <p:tnLst>
-      <p:par>
-        <p:cTn id="1" dur="indefinite" restart="never" nodeType="tmRoot"/>
-      </p:par>
-    </p:tnLst>
-  </p:timing>
 </p:sld>
 </file>
 
